--- a/示意图.pptx
+++ b/示意图.pptx
@@ -263,7 +263,7 @@
           <a:p>
             <a:fld id="{C50DE2C8-BF25-49D2-9FB9-6381E76A20CE}" type="datetimeFigureOut">
               <a:rPr lang="zh-CN" altLang="en-US" smtClean="0"/>
-              <a:t>2023/4/7</a:t>
+              <a:t>2023/4/9</a:t>
             </a:fld>
             <a:endParaRPr lang="zh-CN" altLang="en-US"/>
           </a:p>
@@ -461,7 +461,7 @@
           <a:p>
             <a:fld id="{C50DE2C8-BF25-49D2-9FB9-6381E76A20CE}" type="datetimeFigureOut">
               <a:rPr lang="zh-CN" altLang="en-US" smtClean="0"/>
-              <a:t>2023/4/7</a:t>
+              <a:t>2023/4/9</a:t>
             </a:fld>
             <a:endParaRPr lang="zh-CN" altLang="en-US"/>
           </a:p>
@@ -669,7 +669,7 @@
           <a:p>
             <a:fld id="{C50DE2C8-BF25-49D2-9FB9-6381E76A20CE}" type="datetimeFigureOut">
               <a:rPr lang="zh-CN" altLang="en-US" smtClean="0"/>
-              <a:t>2023/4/7</a:t>
+              <a:t>2023/4/9</a:t>
             </a:fld>
             <a:endParaRPr lang="zh-CN" altLang="en-US"/>
           </a:p>
@@ -867,7 +867,7 @@
           <a:p>
             <a:fld id="{C50DE2C8-BF25-49D2-9FB9-6381E76A20CE}" type="datetimeFigureOut">
               <a:rPr lang="zh-CN" altLang="en-US" smtClean="0"/>
-              <a:t>2023/4/7</a:t>
+              <a:t>2023/4/9</a:t>
             </a:fld>
             <a:endParaRPr lang="zh-CN" altLang="en-US"/>
           </a:p>
@@ -1142,7 +1142,7 @@
           <a:p>
             <a:fld id="{C50DE2C8-BF25-49D2-9FB9-6381E76A20CE}" type="datetimeFigureOut">
               <a:rPr lang="zh-CN" altLang="en-US" smtClean="0"/>
-              <a:t>2023/4/7</a:t>
+              <a:t>2023/4/9</a:t>
             </a:fld>
             <a:endParaRPr lang="zh-CN" altLang="en-US"/>
           </a:p>
@@ -1407,7 +1407,7 @@
           <a:p>
             <a:fld id="{C50DE2C8-BF25-49D2-9FB9-6381E76A20CE}" type="datetimeFigureOut">
               <a:rPr lang="zh-CN" altLang="en-US" smtClean="0"/>
-              <a:t>2023/4/7</a:t>
+              <a:t>2023/4/9</a:t>
             </a:fld>
             <a:endParaRPr lang="zh-CN" altLang="en-US"/>
           </a:p>
@@ -1819,7 +1819,7 @@
           <a:p>
             <a:fld id="{C50DE2C8-BF25-49D2-9FB9-6381E76A20CE}" type="datetimeFigureOut">
               <a:rPr lang="zh-CN" altLang="en-US" smtClean="0"/>
-              <a:t>2023/4/7</a:t>
+              <a:t>2023/4/9</a:t>
             </a:fld>
             <a:endParaRPr lang="zh-CN" altLang="en-US"/>
           </a:p>
@@ -1960,7 +1960,7 @@
           <a:p>
             <a:fld id="{C50DE2C8-BF25-49D2-9FB9-6381E76A20CE}" type="datetimeFigureOut">
               <a:rPr lang="zh-CN" altLang="en-US" smtClean="0"/>
-              <a:t>2023/4/7</a:t>
+              <a:t>2023/4/9</a:t>
             </a:fld>
             <a:endParaRPr lang="zh-CN" altLang="en-US"/>
           </a:p>
@@ -2073,7 +2073,7 @@
           <a:p>
             <a:fld id="{C50DE2C8-BF25-49D2-9FB9-6381E76A20CE}" type="datetimeFigureOut">
               <a:rPr lang="zh-CN" altLang="en-US" smtClean="0"/>
-              <a:t>2023/4/7</a:t>
+              <a:t>2023/4/9</a:t>
             </a:fld>
             <a:endParaRPr lang="zh-CN" altLang="en-US"/>
           </a:p>
@@ -2384,7 +2384,7 @@
           <a:p>
             <a:fld id="{C50DE2C8-BF25-49D2-9FB9-6381E76A20CE}" type="datetimeFigureOut">
               <a:rPr lang="zh-CN" altLang="en-US" smtClean="0"/>
-              <a:t>2023/4/7</a:t>
+              <a:t>2023/4/9</a:t>
             </a:fld>
             <a:endParaRPr lang="zh-CN" altLang="en-US"/>
           </a:p>
@@ -2672,7 +2672,7 @@
           <a:p>
             <a:fld id="{C50DE2C8-BF25-49D2-9FB9-6381E76A20CE}" type="datetimeFigureOut">
               <a:rPr lang="zh-CN" altLang="en-US" smtClean="0"/>
-              <a:t>2023/4/7</a:t>
+              <a:t>2023/4/9</a:t>
             </a:fld>
             <a:endParaRPr lang="zh-CN" altLang="en-US"/>
           </a:p>
@@ -2913,7 +2913,7 @@
           <a:p>
             <a:fld id="{C50DE2C8-BF25-49D2-9FB9-6381E76A20CE}" type="datetimeFigureOut">
               <a:rPr lang="zh-CN" altLang="en-US" smtClean="0"/>
-              <a:t>2023/4/7</a:t>
+              <a:t>2023/4/9</a:t>
             </a:fld>
             <a:endParaRPr lang="zh-CN" altLang="en-US"/>
           </a:p>
@@ -4518,6 +4518,60 @@
           </a:prstGeom>
         </p:spPr>
       </p:pic>
+      <p:sp>
+        <p:nvSpPr>
+          <p:cNvPr id="2" name="文本框 1">
+            <a:extLst>
+              <a:ext uri="{FF2B5EF4-FFF2-40B4-BE49-F238E27FC236}">
+                <a16:creationId xmlns:a16="http://schemas.microsoft.com/office/drawing/2014/main" id="{E0F4B5EB-09AC-44C7-9807-E47D36399030}"/>
+              </a:ext>
+            </a:extLst>
+          </p:cNvPr>
+          <p:cNvSpPr txBox="1"/>
+          <p:nvPr/>
+        </p:nvSpPr>
+        <p:spPr>
+          <a:xfrm>
+            <a:off x="7259797" y="2687167"/>
+            <a:ext cx="526106" cy="400110"/>
+          </a:xfrm>
+          <a:prstGeom prst="rect">
+            <a:avLst/>
+          </a:prstGeom>
+          <a:noFill/>
+        </p:spPr>
+        <p:txBody>
+          <a:bodyPr wrap="none" rtlCol="0">
+            <a:spAutoFit/>
+          </a:bodyPr>
+          <a:lstStyle/>
+          <a:p>
+            <a:r>
+              <a:rPr lang="en-US" altLang="zh-CN" sz="2000" i="1" dirty="0">
+                <a:solidFill>
+                  <a:schemeClr val="tx1">
+                    <a:lumMod val="65000"/>
+                    <a:lumOff val="35000"/>
+                  </a:schemeClr>
+                </a:solidFill>
+                <a:latin typeface="Times New Roman" panose="02020603050405020304" pitchFamily="18" charset="0"/>
+                <a:cs typeface="Times New Roman" panose="02020603050405020304" pitchFamily="18" charset="0"/>
+              </a:rPr>
+              <a:t>(C)</a:t>
+            </a:r>
+            <a:endParaRPr lang="zh-CN" altLang="en-US" sz="2000" i="1" dirty="0">
+              <a:solidFill>
+                <a:schemeClr val="tx1">
+                  <a:lumMod val="65000"/>
+                  <a:lumOff val="35000"/>
+                </a:schemeClr>
+              </a:solidFill>
+              <a:latin typeface="Times New Roman" panose="02020603050405020304" pitchFamily="18" charset="0"/>
+              <a:cs typeface="Times New Roman" panose="02020603050405020304" pitchFamily="18" charset="0"/>
+            </a:endParaRPr>
+          </a:p>
+        </p:txBody>
+      </p:sp>
     </p:spTree>
     <p:extLst>
       <p:ext uri="{BB962C8B-B14F-4D97-AF65-F5344CB8AC3E}">
@@ -4550,10 +4604,10 @@
       </p:grpSpPr>
       <p:pic>
         <p:nvPicPr>
-          <p:cNvPr id="8" name="图片 7">
-            <a:extLst>
-              <a:ext uri="{FF2B5EF4-FFF2-40B4-BE49-F238E27FC236}">
-                <a16:creationId xmlns:a16="http://schemas.microsoft.com/office/drawing/2014/main" id="{19AD2746-6E74-0270-A14D-EB5D181F6147}"/>
+          <p:cNvPr id="24" name="图形 23">
+            <a:extLst>
+              <a:ext uri="{FF2B5EF4-FFF2-40B4-BE49-F238E27FC236}">
+                <a16:creationId xmlns:a16="http://schemas.microsoft.com/office/drawing/2014/main" id="{3893F417-1BCC-D39E-EC82-09C28E5477FC}"/>
               </a:ext>
             </a:extLst>
           </p:cNvPr>
@@ -4568,6 +4622,9 @@
               <a:ext uri="{28A0092B-C50C-407E-A947-70E740481C1C}">
                 <a14:useLocalDpi xmlns:a14="http://schemas.microsoft.com/office/drawing/2010/main" val="0"/>
               </a:ext>
+              <a:ext uri="{96DAC541-7B7A-43D3-8B79-37D633B846F1}">
+                <asvg:svgBlip xmlns:asvg="http://schemas.microsoft.com/office/drawing/2016/SVG/main" r:embed="rId3"/>
+              </a:ext>
             </a:extLst>
           </a:blip>
           <a:stretch>
@@ -4576,8 +4633,8 @@
         </p:blipFill>
         <p:spPr>
           <a:xfrm>
-            <a:off x="0" y="3506143"/>
-            <a:ext cx="4320000" cy="3240000"/>
+            <a:off x="4416755" y="3177040"/>
+            <a:ext cx="3600000" cy="2700000"/>
           </a:xfrm>
           <a:prstGeom prst="rect">
             <a:avLst/>
@@ -4586,10 +4643,10 @@
       </p:pic>
       <p:pic>
         <p:nvPicPr>
-          <p:cNvPr id="10" name="图片 9">
-            <a:extLst>
-              <a:ext uri="{FF2B5EF4-FFF2-40B4-BE49-F238E27FC236}">
-                <a16:creationId xmlns:a16="http://schemas.microsoft.com/office/drawing/2014/main" id="{EDFA0776-D0A1-53F4-7EC0-E1C5C839B14D}"/>
+          <p:cNvPr id="36" name="图形 35">
+            <a:extLst>
+              <a:ext uri="{FF2B5EF4-FFF2-40B4-BE49-F238E27FC236}">
+                <a16:creationId xmlns:a16="http://schemas.microsoft.com/office/drawing/2014/main" id="{FC43F704-2035-E4C7-EA8E-36BBBF2C5A04}"/>
               </a:ext>
             </a:extLst>
           </p:cNvPr>
@@ -4599,10 +4656,13 @@
           <p:nvPr/>
         </p:nvPicPr>
         <p:blipFill>
-          <a:blip r:embed="rId3">
+          <a:blip r:embed="rId4">
             <a:extLst>
               <a:ext uri="{28A0092B-C50C-407E-A947-70E740481C1C}">
                 <a14:useLocalDpi xmlns:a14="http://schemas.microsoft.com/office/drawing/2010/main" val="0"/>
+              </a:ext>
+              <a:ext uri="{96DAC541-7B7A-43D3-8B79-37D633B846F1}">
+                <asvg:svgBlip xmlns:asvg="http://schemas.microsoft.com/office/drawing/2016/SVG/main" r:embed="rId5"/>
               </a:ext>
             </a:extLst>
           </a:blip>
@@ -4612,8 +4672,8 @@
         </p:blipFill>
         <p:spPr>
           <a:xfrm>
-            <a:off x="-2102" y="266143"/>
-            <a:ext cx="4320000" cy="3085714"/>
+            <a:off x="7767352" y="3216363"/>
+            <a:ext cx="3600000" cy="2703947"/>
           </a:xfrm>
           <a:prstGeom prst="rect">
             <a:avLst/>
@@ -4622,10 +4682,10 @@
       </p:pic>
       <p:pic>
         <p:nvPicPr>
-          <p:cNvPr id="15" name="图片 14">
-            <a:extLst>
-              <a:ext uri="{FF2B5EF4-FFF2-40B4-BE49-F238E27FC236}">
-                <a16:creationId xmlns:a16="http://schemas.microsoft.com/office/drawing/2014/main" id="{5335E8CA-E5B3-C8F7-FC5B-50350CC1607A}"/>
+          <p:cNvPr id="25" name="图形 24">
+            <a:extLst>
+              <a:ext uri="{FF2B5EF4-FFF2-40B4-BE49-F238E27FC236}">
+                <a16:creationId xmlns:a16="http://schemas.microsoft.com/office/drawing/2014/main" id="{79D2C744-1DD4-74E8-912C-DEFAD7B76A53}"/>
               </a:ext>
             </a:extLst>
           </p:cNvPr>
@@ -4635,10 +4695,13 @@
           <p:nvPr/>
         </p:nvPicPr>
         <p:blipFill>
-          <a:blip r:embed="rId4">
+          <a:blip r:embed="rId6">
             <a:extLst>
               <a:ext uri="{28A0092B-C50C-407E-A947-70E740481C1C}">
                 <a14:useLocalDpi xmlns:a14="http://schemas.microsoft.com/office/drawing/2010/main" val="0"/>
+              </a:ext>
+              <a:ext uri="{96DAC541-7B7A-43D3-8B79-37D633B846F1}">
+                <asvg:svgBlip xmlns:asvg="http://schemas.microsoft.com/office/drawing/2016/SVG/main" r:embed="rId7"/>
               </a:ext>
             </a:extLst>
           </a:blip>
@@ -4648,14 +4711,53 @@
         </p:blipFill>
         <p:spPr>
           <a:xfrm>
-            <a:off x="3933898" y="266143"/>
-            <a:ext cx="4320000" cy="3240000"/>
+            <a:off x="1066158" y="504461"/>
+            <a:ext cx="3600000" cy="2700000"/>
           </a:xfrm>
           <a:prstGeom prst="rect">
             <a:avLst/>
           </a:prstGeom>
         </p:spPr>
       </p:pic>
+      <p:pic>
+        <p:nvPicPr>
+          <p:cNvPr id="18" name="图形 17">
+            <a:extLst>
+              <a:ext uri="{FF2B5EF4-FFF2-40B4-BE49-F238E27FC236}">
+                <a16:creationId xmlns:a16="http://schemas.microsoft.com/office/drawing/2014/main" id="{6ED8D815-405C-9697-863C-82829FD19D7E}"/>
+              </a:ext>
+            </a:extLst>
+          </p:cNvPr>
+          <p:cNvPicPr>
+            <a:picLocks noChangeAspect="1"/>
+          </p:cNvPicPr>
+          <p:nvPr/>
+        </p:nvPicPr>
+        <p:blipFill>
+          <a:blip r:embed="rId8">
+            <a:extLst>
+              <a:ext uri="{28A0092B-C50C-407E-A947-70E740481C1C}">
+                <a14:useLocalDpi xmlns:a14="http://schemas.microsoft.com/office/drawing/2010/main" val="0"/>
+              </a:ext>
+              <a:ext uri="{96DAC541-7B7A-43D3-8B79-37D633B846F1}">
+                <asvg:svgBlip xmlns:asvg="http://schemas.microsoft.com/office/drawing/2016/SVG/main" r:embed="rId9"/>
+              </a:ext>
+            </a:extLst>
+          </a:blip>
+          <a:stretch>
+            <a:fillRect/>
+          </a:stretch>
+        </p:blipFill>
+        <p:spPr>
+          <a:xfrm>
+            <a:off x="1066158" y="3177040"/>
+            <a:ext cx="3600000" cy="2700000"/>
+          </a:xfrm>
+          <a:prstGeom prst="rect">
+            <a:avLst/>
+          </a:prstGeom>
+        </p:spPr>
+      </p:pic>
       <p:sp>
         <p:nvSpPr>
           <p:cNvPr id="12" name="文本框 11">
@@ -4670,7 +4772,7 @@
         </p:nvSpPr>
         <p:spPr>
           <a:xfrm>
-            <a:off x="3288200" y="5890374"/>
+            <a:off x="3755426" y="5134935"/>
             <a:ext cx="511679" cy="400110"/>
           </a:xfrm>
           <a:prstGeom prst="rect">
@@ -4724,7 +4826,7 @@
         </p:nvSpPr>
         <p:spPr>
           <a:xfrm>
-            <a:off x="3288199" y="2650374"/>
+            <a:off x="3755427" y="2518476"/>
             <a:ext cx="511679" cy="400110"/>
           </a:xfrm>
           <a:prstGeom prst="rect">
@@ -4764,12 +4866,120 @@
           </a:p>
         </p:txBody>
       </p:sp>
+      <p:sp>
+        <p:nvSpPr>
+          <p:cNvPr id="9" name="文本框 8">
+            <a:extLst>
+              <a:ext uri="{FF2B5EF4-FFF2-40B4-BE49-F238E27FC236}">
+                <a16:creationId xmlns:a16="http://schemas.microsoft.com/office/drawing/2014/main" id="{32743012-4520-B17A-AC66-617732B3FE61}"/>
+              </a:ext>
+            </a:extLst>
+          </p:cNvPr>
+          <p:cNvSpPr txBox="1"/>
+          <p:nvPr/>
+        </p:nvSpPr>
+        <p:spPr>
+          <a:xfrm>
+            <a:off x="7139584" y="5233103"/>
+            <a:ext cx="540533" cy="400110"/>
+          </a:xfrm>
+          <a:prstGeom prst="rect">
+            <a:avLst/>
+          </a:prstGeom>
+          <a:noFill/>
+        </p:spPr>
+        <p:txBody>
+          <a:bodyPr wrap="none" rtlCol="0">
+            <a:spAutoFit/>
+          </a:bodyPr>
+          <a:lstStyle/>
+          <a:p>
+            <a:r>
+              <a:rPr lang="en-US" altLang="zh-CN" sz="2000" i="1" dirty="0">
+                <a:solidFill>
+                  <a:schemeClr val="tx1">
+                    <a:lumMod val="65000"/>
+                    <a:lumOff val="35000"/>
+                  </a:schemeClr>
+                </a:solidFill>
+                <a:latin typeface="Times New Roman" panose="02020603050405020304" pitchFamily="18" charset="0"/>
+                <a:cs typeface="Times New Roman" panose="02020603050405020304" pitchFamily="18" charset="0"/>
+              </a:rPr>
+              <a:t>(D)</a:t>
+            </a:r>
+            <a:endParaRPr lang="zh-CN" altLang="en-US" sz="2000" i="1" dirty="0">
+              <a:solidFill>
+                <a:schemeClr val="tx1">
+                  <a:lumMod val="65000"/>
+                  <a:lumOff val="35000"/>
+                </a:schemeClr>
+              </a:solidFill>
+              <a:latin typeface="Times New Roman" panose="02020603050405020304" pitchFamily="18" charset="0"/>
+              <a:cs typeface="Times New Roman" panose="02020603050405020304" pitchFamily="18" charset="0"/>
+            </a:endParaRPr>
+          </a:p>
+        </p:txBody>
+      </p:sp>
+      <p:sp>
+        <p:nvSpPr>
+          <p:cNvPr id="14" name="文本框 13">
+            <a:extLst>
+              <a:ext uri="{FF2B5EF4-FFF2-40B4-BE49-F238E27FC236}">
+                <a16:creationId xmlns:a16="http://schemas.microsoft.com/office/drawing/2014/main" id="{96486A64-1425-9208-40D5-C103710F3DA6}"/>
+              </a:ext>
+            </a:extLst>
+          </p:cNvPr>
+          <p:cNvSpPr txBox="1"/>
+          <p:nvPr/>
+        </p:nvSpPr>
+        <p:spPr>
+          <a:xfrm>
+            <a:off x="10519035" y="5233103"/>
+            <a:ext cx="511679" cy="400110"/>
+          </a:xfrm>
+          <a:prstGeom prst="rect">
+            <a:avLst/>
+          </a:prstGeom>
+          <a:noFill/>
+        </p:spPr>
+        <p:txBody>
+          <a:bodyPr wrap="none" rtlCol="0">
+            <a:spAutoFit/>
+          </a:bodyPr>
+          <a:lstStyle/>
+          <a:p>
+            <a:r>
+              <a:rPr lang="en-US" altLang="zh-CN" sz="2000" i="1" dirty="0">
+                <a:solidFill>
+                  <a:schemeClr val="tx1">
+                    <a:lumMod val="65000"/>
+                    <a:lumOff val="35000"/>
+                  </a:schemeClr>
+                </a:solidFill>
+                <a:latin typeface="Times New Roman" panose="02020603050405020304" pitchFamily="18" charset="0"/>
+                <a:cs typeface="Times New Roman" panose="02020603050405020304" pitchFamily="18" charset="0"/>
+              </a:rPr>
+              <a:t>(F)</a:t>
+            </a:r>
+            <a:endParaRPr lang="zh-CN" altLang="en-US" sz="2000" i="1" dirty="0">
+              <a:solidFill>
+                <a:schemeClr val="tx1">
+                  <a:lumMod val="65000"/>
+                  <a:lumOff val="35000"/>
+                </a:schemeClr>
+              </a:solidFill>
+              <a:latin typeface="Times New Roman" panose="02020603050405020304" pitchFamily="18" charset="0"/>
+              <a:cs typeface="Times New Roman" panose="02020603050405020304" pitchFamily="18" charset="0"/>
+            </a:endParaRPr>
+          </a:p>
+        </p:txBody>
+      </p:sp>
       <p:pic>
         <p:nvPicPr>
-          <p:cNvPr id="32" name="图形 31">
-            <a:extLst>
-              <a:ext uri="{FF2B5EF4-FFF2-40B4-BE49-F238E27FC236}">
-                <a16:creationId xmlns:a16="http://schemas.microsoft.com/office/drawing/2014/main" id="{F7F32671-58E4-845D-F7DA-8C473D7E09ED}"/>
+          <p:cNvPr id="20" name="图形 19">
+            <a:extLst>
+              <a:ext uri="{FF2B5EF4-FFF2-40B4-BE49-F238E27FC236}">
+                <a16:creationId xmlns:a16="http://schemas.microsoft.com/office/drawing/2014/main" id="{C6F176E9-0B38-CCCE-1183-1537763792B0}"/>
               </a:ext>
             </a:extLst>
           </p:cNvPr>
@@ -4779,13 +4989,13 @@
           <p:nvPr/>
         </p:nvPicPr>
         <p:blipFill>
-          <a:blip r:embed="rId5">
+          <a:blip r:embed="rId10">
             <a:extLst>
               <a:ext uri="{28A0092B-C50C-407E-A947-70E740481C1C}">
                 <a14:useLocalDpi xmlns:a14="http://schemas.microsoft.com/office/drawing/2010/main" val="0"/>
               </a:ext>
               <a:ext uri="{96DAC541-7B7A-43D3-8B79-37D633B846F1}">
-                <asvg:svgBlip xmlns:asvg="http://schemas.microsoft.com/office/drawing/2016/SVG/main" r:embed="rId6"/>
+                <asvg:svgBlip xmlns:asvg="http://schemas.microsoft.com/office/drawing/2016/SVG/main" r:embed="rId11"/>
               </a:ext>
             </a:extLst>
           </a:blip>
@@ -4795,20 +5005,74 @@
         </p:blipFill>
         <p:spPr>
           <a:xfrm>
-            <a:off x="7867796" y="266143"/>
-            <a:ext cx="4320000" cy="3240000"/>
+            <a:off x="4459523" y="504461"/>
+            <a:ext cx="3600000" cy="2700000"/>
           </a:xfrm>
           <a:prstGeom prst="rect">
             <a:avLst/>
           </a:prstGeom>
         </p:spPr>
       </p:pic>
+      <p:sp>
+        <p:nvSpPr>
+          <p:cNvPr id="7" name="文本框 6">
+            <a:extLst>
+              <a:ext uri="{FF2B5EF4-FFF2-40B4-BE49-F238E27FC236}">
+                <a16:creationId xmlns:a16="http://schemas.microsoft.com/office/drawing/2014/main" id="{05D2205F-3BD4-CBF6-12D6-57413A8FBDA8}"/>
+              </a:ext>
+            </a:extLst>
+          </p:cNvPr>
+          <p:cNvSpPr txBox="1"/>
+          <p:nvPr/>
+        </p:nvSpPr>
+        <p:spPr>
+          <a:xfrm>
+            <a:off x="7154011" y="2535871"/>
+            <a:ext cx="526106" cy="400110"/>
+          </a:xfrm>
+          <a:prstGeom prst="rect">
+            <a:avLst/>
+          </a:prstGeom>
+          <a:noFill/>
+        </p:spPr>
+        <p:txBody>
+          <a:bodyPr wrap="none" rtlCol="0">
+            <a:spAutoFit/>
+          </a:bodyPr>
+          <a:lstStyle/>
+          <a:p>
+            <a:r>
+              <a:rPr lang="en-US" altLang="zh-CN" sz="2000" i="1" dirty="0">
+                <a:solidFill>
+                  <a:schemeClr val="tx1">
+                    <a:lumMod val="65000"/>
+                    <a:lumOff val="35000"/>
+                  </a:schemeClr>
+                </a:solidFill>
+                <a:latin typeface="Times New Roman" panose="02020603050405020304" pitchFamily="18" charset="0"/>
+                <a:cs typeface="Times New Roman" panose="02020603050405020304" pitchFamily="18" charset="0"/>
+              </a:rPr>
+              <a:t>(C)</a:t>
+            </a:r>
+            <a:endParaRPr lang="zh-CN" altLang="en-US" sz="2000" i="1" dirty="0">
+              <a:solidFill>
+                <a:schemeClr val="tx1">
+                  <a:lumMod val="65000"/>
+                  <a:lumOff val="35000"/>
+                </a:schemeClr>
+              </a:solidFill>
+              <a:latin typeface="Times New Roman" panose="02020603050405020304" pitchFamily="18" charset="0"/>
+              <a:cs typeface="Times New Roman" panose="02020603050405020304" pitchFamily="18" charset="0"/>
+            </a:endParaRPr>
+          </a:p>
+        </p:txBody>
+      </p:sp>
       <p:pic>
         <p:nvPicPr>
-          <p:cNvPr id="24" name="图形 23">
-            <a:extLst>
-              <a:ext uri="{FF2B5EF4-FFF2-40B4-BE49-F238E27FC236}">
-                <a16:creationId xmlns:a16="http://schemas.microsoft.com/office/drawing/2014/main" id="{3893F417-1BCC-D39E-EC82-09C28E5477FC}"/>
+          <p:cNvPr id="32" name="图形 31">
+            <a:extLst>
+              <a:ext uri="{FF2B5EF4-FFF2-40B4-BE49-F238E27FC236}">
+                <a16:creationId xmlns:a16="http://schemas.microsoft.com/office/drawing/2014/main" id="{F7F32671-58E4-845D-F7DA-8C473D7E09ED}"/>
               </a:ext>
             </a:extLst>
           </p:cNvPr>
@@ -4818,13 +5082,13 @@
           <p:nvPr/>
         </p:nvPicPr>
         <p:blipFill>
-          <a:blip r:embed="rId7">
+          <a:blip r:embed="rId12">
             <a:extLst>
               <a:ext uri="{28A0092B-C50C-407E-A947-70E740481C1C}">
                 <a14:useLocalDpi xmlns:a14="http://schemas.microsoft.com/office/drawing/2010/main" val="0"/>
               </a:ext>
               <a:ext uri="{96DAC541-7B7A-43D3-8B79-37D633B846F1}">
-                <asvg:svgBlip xmlns:asvg="http://schemas.microsoft.com/office/drawing/2016/SVG/main" r:embed="rId8"/>
+                <asvg:svgBlip xmlns:asvg="http://schemas.microsoft.com/office/drawing/2016/SVG/main" r:embed="rId13"/>
               </a:ext>
             </a:extLst>
           </a:blip>
@@ -4834,53 +5098,68 @@
         </p:blipFill>
         <p:spPr>
           <a:xfrm>
-            <a:off x="3936000" y="3506143"/>
-            <a:ext cx="4320000" cy="3240000"/>
+            <a:off x="7767352" y="473316"/>
+            <a:ext cx="3600000" cy="2752323"/>
           </a:xfrm>
           <a:prstGeom prst="rect">
             <a:avLst/>
           </a:prstGeom>
         </p:spPr>
       </p:pic>
-      <p:pic>
-        <p:nvPicPr>
-          <p:cNvPr id="36" name="图形 35">
-            <a:extLst>
-              <a:ext uri="{FF2B5EF4-FFF2-40B4-BE49-F238E27FC236}">
-                <a16:creationId xmlns:a16="http://schemas.microsoft.com/office/drawing/2014/main" id="{FC43F704-2035-E4C7-EA8E-36BBBF2C5A04}"/>
-              </a:ext>
-            </a:extLst>
-          </p:cNvPr>
-          <p:cNvPicPr>
-            <a:picLocks noChangeAspect="1"/>
-          </p:cNvPicPr>
+      <p:sp>
+        <p:nvSpPr>
+          <p:cNvPr id="16" name="文本框 15">
+            <a:extLst>
+              <a:ext uri="{FF2B5EF4-FFF2-40B4-BE49-F238E27FC236}">
+                <a16:creationId xmlns:a16="http://schemas.microsoft.com/office/drawing/2014/main" id="{1076EDCD-9F18-4C40-B01E-E307EED1EA37}"/>
+              </a:ext>
+            </a:extLst>
+          </p:cNvPr>
+          <p:cNvSpPr txBox="1"/>
           <p:nvPr/>
-        </p:nvPicPr>
-        <p:blipFill>
-          <a:blip r:embed="rId9">
-            <a:extLst>
-              <a:ext uri="{28A0092B-C50C-407E-A947-70E740481C1C}">
-                <a14:useLocalDpi xmlns:a14="http://schemas.microsoft.com/office/drawing/2010/main" val="0"/>
-              </a:ext>
-              <a:ext uri="{96DAC541-7B7A-43D3-8B79-37D633B846F1}">
-                <asvg:svgBlip xmlns:asvg="http://schemas.microsoft.com/office/drawing/2016/SVG/main" r:embed="rId10"/>
-              </a:ext>
-            </a:extLst>
-          </a:blip>
-          <a:stretch>
-            <a:fillRect/>
-          </a:stretch>
-        </p:blipFill>
+        </p:nvSpPr>
         <p:spPr>
           <a:xfrm>
-            <a:off x="7872001" y="3506143"/>
-            <a:ext cx="4313694" cy="3240000"/>
+            <a:off x="10525471" y="2535871"/>
+            <a:ext cx="511679" cy="400110"/>
           </a:xfrm>
           <a:prstGeom prst="rect">
             <a:avLst/>
           </a:prstGeom>
+          <a:noFill/>
         </p:spPr>
-      </p:pic>
+        <p:txBody>
+          <a:bodyPr wrap="none" rtlCol="0">
+            <a:spAutoFit/>
+          </a:bodyPr>
+          <a:lstStyle/>
+          <a:p>
+            <a:r>
+              <a:rPr lang="en-US" altLang="zh-CN" sz="2000" i="1" dirty="0">
+                <a:solidFill>
+                  <a:schemeClr val="tx1">
+                    <a:lumMod val="65000"/>
+                    <a:lumOff val="35000"/>
+                  </a:schemeClr>
+                </a:solidFill>
+                <a:latin typeface="Times New Roman" panose="02020603050405020304" pitchFamily="18" charset="0"/>
+                <a:cs typeface="Times New Roman" panose="02020603050405020304" pitchFamily="18" charset="0"/>
+              </a:rPr>
+              <a:t>(E)</a:t>
+            </a:r>
+            <a:endParaRPr lang="zh-CN" altLang="en-US" sz="2000" i="1" dirty="0">
+              <a:solidFill>
+                <a:schemeClr val="tx1">
+                  <a:lumMod val="65000"/>
+                  <a:lumOff val="35000"/>
+                </a:schemeClr>
+              </a:solidFill>
+              <a:latin typeface="Times New Roman" panose="02020603050405020304" pitchFamily="18" charset="0"/>
+              <a:cs typeface="Times New Roman" panose="02020603050405020304" pitchFamily="18" charset="0"/>
+            </a:endParaRPr>
+          </a:p>
+        </p:txBody>
+      </p:sp>
     </p:spTree>
     <p:extLst>
       <p:ext uri="{BB962C8B-B14F-4D97-AF65-F5344CB8AC3E}">
